--- a/rmd_files/w2/html_dom.pptx
+++ b/rmd_files/w2/html_dom.pptx
@@ -3536,13 +3536,18 @@
           <a:p>
             <a:pPr algn="ctr"/>
             <a:r>
-              <a:rPr lang="en-US" sz="1400" dirty="0">
+              <a:rPr lang="en-US" sz="1400">
                 <a:solidFill>
                   <a:sysClr val="windowText" lastClr="000000"/>
                 </a:solidFill>
               </a:rPr>
-              <a:t>Header</a:t>
-            </a:r>
+              <a:t>Head</a:t>
+            </a:r>
+            <a:endParaRPr lang="en-US" sz="1400" dirty="0">
+              <a:solidFill>
+                <a:sysClr val="windowText" lastClr="000000"/>
+              </a:solidFill>
+            </a:endParaRPr>
           </a:p>
         </p:txBody>
       </p:sp>
